--- a/EES/Lecture 20.pptx
+++ b/EES/Lecture 20.pptx
@@ -2,21 +2,20 @@
 <file path=ppt/presentation.xml><?xml version="1.0" encoding="utf-8"?>
 <p:presentation xmlns:a="http://schemas.openxmlformats.org/drawingml/2006/main" xmlns:r="http://schemas.openxmlformats.org/officeDocument/2006/relationships" xmlns:p="http://schemas.openxmlformats.org/presentationml/2006/main" saveSubsetFonts="1">
   <p:sldMasterIdLst>
-    <p:sldMasterId id="2147483803" r:id="rId1"/>
+    <p:sldMasterId id="2147483803" r:id="rId4"/>
   </p:sldMasterIdLst>
   <p:notesMasterIdLst>
-    <p:notesMasterId r:id="rId11"/>
+    <p:notesMasterId r:id="rId13"/>
   </p:notesMasterIdLst>
   <p:sldIdLst>
-    <p:sldId id="256" r:id="rId2"/>
-    <p:sldId id="260" r:id="rId3"/>
-    <p:sldId id="261" r:id="rId4"/>
-    <p:sldId id="262" r:id="rId5"/>
-    <p:sldId id="263" r:id="rId6"/>
-    <p:sldId id="264" r:id="rId7"/>
-    <p:sldId id="265" r:id="rId8"/>
-    <p:sldId id="266" r:id="rId9"/>
-    <p:sldId id="267" r:id="rId10"/>
+    <p:sldId id="260" r:id="rId5"/>
+    <p:sldId id="261" r:id="rId6"/>
+    <p:sldId id="262" r:id="rId7"/>
+    <p:sldId id="263" r:id="rId8"/>
+    <p:sldId id="264" r:id="rId9"/>
+    <p:sldId id="265" r:id="rId10"/>
+    <p:sldId id="266" r:id="rId11"/>
+    <p:sldId id="267" r:id="rId12"/>
   </p:sldIdLst>
   <p:sldSz cx="12192000" cy="6858000"/>
   <p:notesSz cx="6858000" cy="9144000"/>
@@ -123,6 +122,27 @@
 </p:presentation>
 </file>
 
+<file path=ppt/changesInfos/changesInfo1.xml><?xml version="1.0" encoding="utf-8"?>
+<pc:chgInfo xmlns:a="http://schemas.openxmlformats.org/drawingml/2006/main" xmlns:r="http://schemas.openxmlformats.org/officeDocument/2006/relationships" xmlns:ac="http://schemas.microsoft.com/office/drawing/2013/main/command" xmlns:pc="http://schemas.microsoft.com/office/powerpoint/2013/main/command">
+  <pc:docChgLst>
+    <pc:chgData name="Vansh Sharma" userId="130846f55a64c9c3" providerId="LiveId" clId="{A8E9DF29-F41C-4708-B14D-7FE7A984E483}"/>
+    <pc:docChg chg="delSld">
+      <pc:chgData name="Vansh Sharma" userId="130846f55a64c9c3" providerId="LiveId" clId="{A8E9DF29-F41C-4708-B14D-7FE7A984E483}" dt="2025-04-12T11:04:42.158" v="0" actId="47"/>
+      <pc:docMkLst>
+        <pc:docMk/>
+      </pc:docMkLst>
+      <pc:sldChg chg="del">
+        <pc:chgData name="Vansh Sharma" userId="130846f55a64c9c3" providerId="LiveId" clId="{A8E9DF29-F41C-4708-B14D-7FE7A984E483}" dt="2025-04-12T11:04:42.158" v="0" actId="47"/>
+        <pc:sldMkLst>
+          <pc:docMk/>
+          <pc:sldMk cId="384003318" sldId="256"/>
+        </pc:sldMkLst>
+      </pc:sldChg>
+    </pc:docChg>
+  </pc:docChgLst>
+</pc:chgInfo>
+</file>
+
 <file path=ppt/notesMasters/notesMaster1.xml><?xml version="1.0" encoding="utf-8"?>
 <p:notesMaster xmlns:a="http://schemas.openxmlformats.org/drawingml/2006/main" xmlns:r="http://schemas.openxmlformats.org/officeDocument/2006/relationships" xmlns:p="http://schemas.openxmlformats.org/presentationml/2006/main">
   <p:cSld>
@@ -205,7 +225,7 @@
           <a:p>
             <a:fld id="{81CB0A12-6C66-4103-8BB9-BB4FA25162E2}" type="datetimeFigureOut">
               <a:rPr lang="en-US" smtClean="0"/>
-              <a:t>4/1/2025</a:t>
+              <a:t>4/12/2025</a:t>
             </a:fld>
             <a:endParaRPr lang="en-US"/>
           </a:p>
@@ -537,7 +557,7 @@
           <a:p>
             <a:fld id="{E3CF50DA-9FA5-4B6B-867B-01B32AE95E8D}" type="slidenum">
               <a:rPr lang="en-US" smtClean="0"/>
-              <a:t>3</a:t>
+              <a:t>2</a:t>
             </a:fld>
             <a:endParaRPr lang="en-US"/>
           </a:p>
@@ -792,7 +812,7 @@
           <a:p>
             <a:fld id="{ED291B17-9318-49DB-B28B-6E5994AE9581}" type="datetime1">
               <a:rPr lang="en-US" smtClean="0"/>
-              <a:t>4/1/2025</a:t>
+              <a:t>4/12/2025</a:t>
             </a:fld>
             <a:endParaRPr lang="en-US"/>
           </a:p>
@@ -996,7 +1016,7 @@
           <a:p>
             <a:fld id="{1D8BD707-D9CF-40AE-B4C6-C98DA3205C09}" type="datetimeFigureOut">
               <a:rPr lang="en-US"/>
-              <a:t>4/1/2025</a:t>
+              <a:t>4/12/2025</a:t>
             </a:fld>
             <a:endParaRPr lang="en-US"/>
           </a:p>
@@ -1198,7 +1218,7 @@
           <a:p>
             <a:fld id="{ED291B17-9318-49DB-B28B-6E5994AE9581}" type="datetime1">
               <a:rPr lang="en-US" smtClean="0"/>
-              <a:t>4/1/2025</a:t>
+              <a:t>4/12/2025</a:t>
             </a:fld>
             <a:endParaRPr lang="en-US"/>
           </a:p>
@@ -1821,774 +1841,6 @@
           <a:chExt cx="0" cy="0"/>
         </a:xfrm>
       </p:grpSpPr>
-      <p:sp useBgFill="1">
-        <p:nvSpPr>
-          <p:cNvPr id="76" name="Rectangle 75">
-            <a:extLst>
-              <a:ext uri="{FF2B5EF4-FFF2-40B4-BE49-F238E27FC236}">
-                <a16:creationId xmlns:a16="http://schemas.microsoft.com/office/drawing/2014/main" id="{38733D19-FF76-4DF6-985F-DB050AF87F9E}"/>
-              </a:ext>
-              <a:ext uri="{C183D7F6-B498-43B3-948B-1728B52AA6E4}">
-                <adec:decorative xmlns:adec="http://schemas.microsoft.com/office/drawing/2017/decorative" val="1"/>
-              </a:ext>
-            </a:extLst>
-          </p:cNvPr>
-          <p:cNvSpPr>
-            <a:spLocks noGrp="1" noRot="1" noChangeAspect="1" noMove="1" noResize="1" noEditPoints="1" noAdjustHandles="1" noChangeArrowheads="1" noChangeShapeType="1" noTextEdit="1"/>
-          </p:cNvSpPr>
-          <p:nvPr>
-            <p:extLst>
-              <p:ext uri="{386F3935-93C4-4BCD-93E2-E3B085C9AB24}">
-                <p16:designElem xmlns:p16="http://schemas.microsoft.com/office/powerpoint/2015/main" val="1"/>
-              </p:ext>
-            </p:extLst>
-          </p:nvPr>
-        </p:nvSpPr>
-        <p:spPr>
-          <a:xfrm>
-            <a:off x="0" y="0"/>
-            <a:ext cx="12192000" cy="6858000"/>
-          </a:xfrm>
-          <a:prstGeom prst="rect">
-            <a:avLst/>
-          </a:prstGeom>
-          <a:ln>
-            <a:noFill/>
-          </a:ln>
-        </p:spPr>
-        <p:style>
-          <a:lnRef idx="2">
-            <a:schemeClr val="accent1">
-              <a:shade val="50000"/>
-            </a:schemeClr>
-          </a:lnRef>
-          <a:fillRef idx="1">
-            <a:schemeClr val="accent1"/>
-          </a:fillRef>
-          <a:effectRef idx="0">
-            <a:schemeClr val="accent1"/>
-          </a:effectRef>
-          <a:fontRef idx="minor">
-            <a:schemeClr val="lt1"/>
-          </a:fontRef>
-        </p:style>
-        <p:txBody>
-          <a:bodyPr rtlCol="0" anchor="ctr"/>
-          <a:lstStyle/>
-          <a:p>
-            <a:pPr algn="ctr"/>
-            <a:endParaRPr lang="en-US"/>
-          </a:p>
-        </p:txBody>
-      </p:sp>
-      <p:sp>
-        <p:nvSpPr>
-          <p:cNvPr id="2" name="Title 1">
-            <a:extLst>
-              <a:ext uri="{FF2B5EF4-FFF2-40B4-BE49-F238E27FC236}">
-                <a16:creationId xmlns:a16="http://schemas.microsoft.com/office/drawing/2014/main" id="{5AC39E7D-C549-4EF1-9B69-5A83062E23EC}"/>
-              </a:ext>
-            </a:extLst>
-          </p:cNvPr>
-          <p:cNvSpPr>
-            <a:spLocks noGrp="1"/>
-          </p:cNvSpPr>
-          <p:nvPr>
-            <p:ph type="ctrTitle"/>
-          </p:nvPr>
-        </p:nvSpPr>
-        <p:spPr>
-          <a:xfrm>
-            <a:off x="238199" y="3643976"/>
-            <a:ext cx="10993549" cy="550687"/>
-          </a:xfrm>
-        </p:spPr>
-        <p:txBody>
-          <a:bodyPr>
-            <a:normAutofit fontScale="90000"/>
-          </a:bodyPr>
-          <a:lstStyle/>
-          <a:p>
-            <a:r>
-              <a:rPr lang="en-US" dirty="0"/>
-              <a:t>   Course name</a:t>
-            </a:r>
-            <a:r>
-              <a:rPr lang="en-US"/>
-              <a:t>: EES</a:t>
-            </a:r>
-            <a:endParaRPr lang="en-US" dirty="0"/>
-          </a:p>
-        </p:txBody>
-      </p:sp>
-      <p:sp>
-        <p:nvSpPr>
-          <p:cNvPr id="3" name="Subtitle 2">
-            <a:extLst>
-              <a:ext uri="{FF2B5EF4-FFF2-40B4-BE49-F238E27FC236}">
-                <a16:creationId xmlns:a16="http://schemas.microsoft.com/office/drawing/2014/main" id="{D6020E74-3AC4-4B9C-82CD-211A6006A463}"/>
-              </a:ext>
-            </a:extLst>
-          </p:cNvPr>
-          <p:cNvSpPr>
-            <a:spLocks noGrp="1"/>
-          </p:cNvSpPr>
-          <p:nvPr>
-            <p:ph type="subTitle" idx="1"/>
-          </p:nvPr>
-        </p:nvSpPr>
-        <p:spPr>
-          <a:xfrm>
-            <a:off x="520511" y="4323788"/>
-            <a:ext cx="10993546" cy="2534212"/>
-          </a:xfrm>
-          <a:solidFill>
-            <a:schemeClr val="accent1">
-              <a:lumMod val="20000"/>
-              <a:lumOff val="80000"/>
-            </a:schemeClr>
-          </a:solidFill>
-          <a:ln>
-            <a:solidFill>
-              <a:srgbClr val="0070C0"/>
-            </a:solidFill>
-          </a:ln>
-        </p:spPr>
-        <p:txBody>
-          <a:bodyPr>
-            <a:noAutofit/>
-          </a:bodyPr>
-          <a:lstStyle/>
-          <a:p>
-            <a:r>
-              <a:rPr lang="en-US" b="1" dirty="0">
-                <a:solidFill>
-                  <a:schemeClr val="tx1"/>
-                </a:solidFill>
-                <a:latin typeface="Abadi Extra Light" panose="020B0604020202020204" pitchFamily="34" charset="0"/>
-              </a:rPr>
-              <a:t>Course         </a:t>
-            </a:r>
-            <a:r>
-              <a:rPr lang="en-US" b="1">
-                <a:solidFill>
-                  <a:schemeClr val="tx1"/>
-                </a:solidFill>
-                <a:latin typeface="Abadi Extra Light" panose="020B0604020202020204" pitchFamily="34" charset="0"/>
-              </a:rPr>
-              <a:t>:  Electrical and ELECTRONICS SYSTEMS</a:t>
-            </a:r>
-            <a:endParaRPr lang="en-US" b="1" dirty="0">
-              <a:solidFill>
-                <a:schemeClr val="tx1"/>
-              </a:solidFill>
-              <a:latin typeface="Abadi Extra Light" panose="020B0604020202020204" pitchFamily="34" charset="0"/>
-            </a:endParaRPr>
-          </a:p>
-          <a:p>
-            <a:r>
-              <a:rPr lang="en-US" b="1" dirty="0">
-                <a:solidFill>
-                  <a:schemeClr val="tx1"/>
-                </a:solidFill>
-                <a:latin typeface="Abadi Extra Light" panose="020B0604020202020204" pitchFamily="34" charset="0"/>
-              </a:rPr>
-              <a:t>lecture series no :  01 (one)</a:t>
-            </a:r>
-          </a:p>
-          <a:p>
-            <a:r>
-              <a:rPr lang="en-US" b="1" dirty="0">
-                <a:solidFill>
-                  <a:schemeClr val="tx1"/>
-                </a:solidFill>
-                <a:latin typeface="Abadi Extra Light" panose="020B0604020202020204" pitchFamily="34" charset="0"/>
-              </a:rPr>
-              <a:t>Credits                   :          4</a:t>
-            </a:r>
-          </a:p>
-          <a:p>
-            <a:r>
-              <a:rPr lang="en-US" b="1" dirty="0">
-                <a:solidFill>
-                  <a:schemeClr val="tx1"/>
-                </a:solidFill>
-                <a:latin typeface="Abadi Extra Light" panose="020B0604020202020204" pitchFamily="34" charset="0"/>
-              </a:rPr>
-              <a:t>Mode of delivery  :   </a:t>
-            </a:r>
-          </a:p>
-          <a:p>
-            <a:r>
-              <a:rPr lang="en-US" b="1" dirty="0">
-                <a:solidFill>
-                  <a:schemeClr val="tx1"/>
-                </a:solidFill>
-                <a:latin typeface="Abadi Extra Light" panose="020B0604020202020204" pitchFamily="34" charset="0"/>
-              </a:rPr>
-              <a:t>Faculty                   :     </a:t>
-            </a:r>
-            <a:r>
-              <a:rPr lang="en-US" b="1" dirty="0" err="1">
-                <a:solidFill>
-                  <a:schemeClr val="tx1"/>
-                </a:solidFill>
-                <a:latin typeface="Abadi Extra Light" panose="020B0604020202020204" pitchFamily="34" charset="0"/>
-              </a:rPr>
-              <a:t>ankur</a:t>
-            </a:r>
-            <a:r>
-              <a:rPr lang="en-US" b="1" dirty="0">
-                <a:solidFill>
-                  <a:schemeClr val="tx1"/>
-                </a:solidFill>
-                <a:latin typeface="Abadi Extra Light" panose="020B0604020202020204" pitchFamily="34" charset="0"/>
-              </a:rPr>
-              <a:t> </a:t>
-            </a:r>
-            <a:r>
-              <a:rPr lang="en-US" b="1" dirty="0" err="1">
-                <a:solidFill>
-                  <a:schemeClr val="tx1"/>
-                </a:solidFill>
-                <a:latin typeface="Abadi Extra Light" panose="020B0604020202020204" pitchFamily="34" charset="0"/>
-              </a:rPr>
-              <a:t>saharia</a:t>
-            </a:r>
-            <a:endParaRPr lang="en-US" b="1" dirty="0">
-              <a:solidFill>
-                <a:schemeClr val="tx1"/>
-              </a:solidFill>
-              <a:latin typeface="Abadi Extra Light" panose="020B0604020202020204" pitchFamily="34" charset="0"/>
-            </a:endParaRPr>
-          </a:p>
-          <a:p>
-            <a:r>
-              <a:rPr lang="en-US" b="1" dirty="0">
-                <a:solidFill>
-                  <a:schemeClr val="tx1"/>
-                </a:solidFill>
-                <a:latin typeface="Abadi Extra Light" panose="020B0604020202020204" pitchFamily="34" charset="0"/>
-              </a:rPr>
-              <a:t>Email-id                   :   </a:t>
-            </a:r>
-            <a:r>
-              <a:rPr lang="en-US" b="1" cap="none" dirty="0">
-                <a:solidFill>
-                  <a:schemeClr val="accent3"/>
-                </a:solidFill>
-                <a:latin typeface="Abadi Extra Light" panose="020B0604020202020204" pitchFamily="34" charset="0"/>
-              </a:rPr>
-              <a:t>  ankur.saharia@jaipur.manipal.edu</a:t>
-            </a:r>
-          </a:p>
-          <a:p>
-            <a:r>
-              <a:rPr lang="en-US" b="1" cap="none" dirty="0">
-                <a:solidFill>
-                  <a:schemeClr val="tx1"/>
-                </a:solidFill>
-                <a:latin typeface="Abadi Extra Light" panose="020B0604020202020204" pitchFamily="34" charset="0"/>
-              </a:rPr>
-              <a:t>PROPOSED DATE OF DELIVERY:   </a:t>
-            </a:r>
-            <a:endParaRPr lang="en-US" b="1" dirty="0">
-              <a:solidFill>
-                <a:schemeClr val="tx1"/>
-              </a:solidFill>
-              <a:latin typeface="Abadi Extra Light" panose="020B0604020202020204" pitchFamily="34" charset="0"/>
-            </a:endParaRPr>
-          </a:p>
-        </p:txBody>
-      </p:sp>
-      <p:sp>
-        <p:nvSpPr>
-          <p:cNvPr id="78" name="Rectangle 77">
-            <a:extLst>
-              <a:ext uri="{FF2B5EF4-FFF2-40B4-BE49-F238E27FC236}">
-                <a16:creationId xmlns:a16="http://schemas.microsoft.com/office/drawing/2014/main" id="{B8931767-514A-4E70-9129-DB6B46BFA823}"/>
-              </a:ext>
-              <a:ext uri="{C183D7F6-B498-43B3-948B-1728B52AA6E4}">
-                <adec:decorative xmlns:adec="http://schemas.microsoft.com/office/drawing/2017/decorative" val="1"/>
-              </a:ext>
-            </a:extLst>
-          </p:cNvPr>
-          <p:cNvSpPr>
-            <a:spLocks noGrp="1" noRot="1" noChangeAspect="1" noMove="1" noResize="1" noEditPoints="1" noAdjustHandles="1" noChangeArrowheads="1" noChangeShapeType="1" noTextEdit="1"/>
-          </p:cNvSpPr>
-          <p:nvPr>
-            <p:extLst>
-              <p:ext uri="{386F3935-93C4-4BCD-93E2-E3B085C9AB24}">
-                <p16:designElem xmlns:p16="http://schemas.microsoft.com/office/powerpoint/2015/main" val="1"/>
-              </p:ext>
-            </p:extLst>
-          </p:nvPr>
-        </p:nvSpPr>
-        <p:spPr>
-          <a:xfrm>
-            <a:off x="446534" y="457200"/>
-            <a:ext cx="3703320" cy="94997"/>
-          </a:xfrm>
-          <a:prstGeom prst="rect">
-            <a:avLst/>
-          </a:prstGeom>
-          <a:solidFill>
-            <a:srgbClr val="465359"/>
-          </a:solidFill>
-          <a:ln>
-            <a:noFill/>
-          </a:ln>
-          <a:effectLst/>
-        </p:spPr>
-        <p:style>
-          <a:lnRef idx="1">
-            <a:schemeClr val="accent1"/>
-          </a:lnRef>
-          <a:fillRef idx="3">
-            <a:schemeClr val="accent1"/>
-          </a:fillRef>
-          <a:effectRef idx="2">
-            <a:schemeClr val="accent1"/>
-          </a:effectRef>
-          <a:fontRef idx="minor">
-            <a:schemeClr val="lt1"/>
-          </a:fontRef>
-        </p:style>
-        <p:txBody>
-          <a:bodyPr/>
-          <a:lstStyle/>
-          <a:p>
-            <a:endParaRPr lang="en-US"/>
-          </a:p>
-        </p:txBody>
-      </p:sp>
-      <p:sp>
-        <p:nvSpPr>
-          <p:cNvPr id="80" name="Rectangle 79">
-            <a:extLst>
-              <a:ext uri="{FF2B5EF4-FFF2-40B4-BE49-F238E27FC236}">
-                <a16:creationId xmlns:a16="http://schemas.microsoft.com/office/drawing/2014/main" id="{092556C3-D615-4E70-B4AD-7791DE6BBDE9}"/>
-              </a:ext>
-              <a:ext uri="{C183D7F6-B498-43B3-948B-1728B52AA6E4}">
-                <adec:decorative xmlns:adec="http://schemas.microsoft.com/office/drawing/2017/decorative" val="1"/>
-              </a:ext>
-            </a:extLst>
-          </p:cNvPr>
-          <p:cNvSpPr>
-            <a:spLocks noGrp="1" noRot="1" noChangeAspect="1" noMove="1" noResize="1" noEditPoints="1" noAdjustHandles="1" noChangeArrowheads="1" noChangeShapeType="1" noTextEdit="1"/>
-          </p:cNvSpPr>
-          <p:nvPr>
-            <p:extLst>
-              <p:ext uri="{386F3935-93C4-4BCD-93E2-E3B085C9AB24}">
-                <p16:designElem xmlns:p16="http://schemas.microsoft.com/office/powerpoint/2015/main" val="1"/>
-              </p:ext>
-            </p:extLst>
-          </p:nvPr>
-        </p:nvSpPr>
-        <p:spPr>
-          <a:xfrm>
-            <a:off x="4241830" y="457200"/>
-            <a:ext cx="3703320" cy="91440"/>
-          </a:xfrm>
-          <a:prstGeom prst="rect">
-            <a:avLst/>
-          </a:prstGeom>
-          <a:solidFill>
-            <a:schemeClr val="accent1"/>
-          </a:solidFill>
-          <a:ln>
-            <a:noFill/>
-          </a:ln>
-          <a:effectLst/>
-        </p:spPr>
-        <p:style>
-          <a:lnRef idx="1">
-            <a:schemeClr val="accent1"/>
-          </a:lnRef>
-          <a:fillRef idx="3">
-            <a:schemeClr val="accent1"/>
-          </a:fillRef>
-          <a:effectRef idx="2">
-            <a:schemeClr val="accent1"/>
-          </a:effectRef>
-          <a:fontRef idx="minor">
-            <a:schemeClr val="lt1"/>
-          </a:fontRef>
-        </p:style>
-        <p:txBody>
-          <a:bodyPr/>
-          <a:lstStyle/>
-          <a:p>
-            <a:endParaRPr lang="en-US"/>
-          </a:p>
-        </p:txBody>
-      </p:sp>
-      <p:sp>
-        <p:nvSpPr>
-          <p:cNvPr id="1036" name="Rectangle 81">
-            <a:extLst>
-              <a:ext uri="{FF2B5EF4-FFF2-40B4-BE49-F238E27FC236}">
-                <a16:creationId xmlns:a16="http://schemas.microsoft.com/office/drawing/2014/main" id="{5D468424-DF72-426E-8DB3-F91B8857CB3B}"/>
-              </a:ext>
-              <a:ext uri="{C183D7F6-B498-43B3-948B-1728B52AA6E4}">
-                <adec:decorative xmlns:adec="http://schemas.microsoft.com/office/drawing/2017/decorative" val="1"/>
-              </a:ext>
-            </a:extLst>
-          </p:cNvPr>
-          <p:cNvSpPr>
-            <a:spLocks noGrp="1" noRot="1" noChangeAspect="1" noMove="1" noResize="1" noEditPoints="1" noAdjustHandles="1" noChangeArrowheads="1" noChangeShapeType="1" noTextEdit="1"/>
-          </p:cNvSpPr>
-          <p:nvPr>
-            <p:extLst>
-              <p:ext uri="{386F3935-93C4-4BCD-93E2-E3B085C9AB24}">
-                <p16:designElem xmlns:p16="http://schemas.microsoft.com/office/powerpoint/2015/main" val="1"/>
-              </p:ext>
-            </p:extLst>
-          </p:nvPr>
-        </p:nvSpPr>
-        <p:spPr>
-          <a:xfrm>
-            <a:off x="8042147" y="453643"/>
-            <a:ext cx="3703320" cy="98554"/>
-          </a:xfrm>
-          <a:prstGeom prst="rect">
-            <a:avLst/>
-          </a:prstGeom>
-          <a:solidFill>
-            <a:srgbClr val="969FA7"/>
-          </a:solidFill>
-          <a:ln>
-            <a:noFill/>
-          </a:ln>
-          <a:effectLst/>
-        </p:spPr>
-        <p:style>
-          <a:lnRef idx="1">
-            <a:schemeClr val="accent1"/>
-          </a:lnRef>
-          <a:fillRef idx="3">
-            <a:schemeClr val="accent1"/>
-          </a:fillRef>
-          <a:effectRef idx="2">
-            <a:schemeClr val="accent1"/>
-          </a:effectRef>
-          <a:fontRef idx="minor">
-            <a:schemeClr val="lt1"/>
-          </a:fontRef>
-        </p:style>
-        <p:txBody>
-          <a:bodyPr/>
-          <a:lstStyle/>
-          <a:p>
-            <a:endParaRPr lang="en-US"/>
-          </a:p>
-        </p:txBody>
-      </p:sp>
-      <p:pic>
-        <p:nvPicPr>
-          <p:cNvPr id="1026" name="Picture 2">
-            <a:extLst>
-              <a:ext uri="{FF2B5EF4-FFF2-40B4-BE49-F238E27FC236}">
-                <a16:creationId xmlns:a16="http://schemas.microsoft.com/office/drawing/2014/main" id="{EF531DFA-4938-4D0A-9F2E-D44A14B5186F}"/>
-              </a:ext>
-            </a:extLst>
-          </p:cNvPr>
-          <p:cNvPicPr>
-            <a:picLocks noChangeAspect="1" noChangeArrowheads="1"/>
-          </p:cNvPicPr>
-          <p:nvPr/>
-        </p:nvPicPr>
-        <p:blipFill rotWithShape="1">
-          <a:blip r:embed="rId2">
-            <a:extLst>
-              <a:ext uri="{28A0092B-C50C-407E-A947-70E740481C1C}">
-                <a14:useLocalDpi xmlns:a14="http://schemas.microsoft.com/office/drawing/2010/main" val="0"/>
-              </a:ext>
-            </a:extLst>
-          </a:blip>
-          <a:srcRect t="5257" r="-1" b="-1"/>
-          <a:stretch/>
-        </p:blipFill>
-        <p:spPr bwMode="auto">
-          <a:xfrm>
-            <a:off x="446532" y="599725"/>
-            <a:ext cx="11292143" cy="3044251"/>
-          </a:xfrm>
-          <a:prstGeom prst="rect">
-            <a:avLst/>
-          </a:prstGeom>
-          <a:noFill/>
-          <a:extLst>
-            <a:ext uri="{909E8E84-426E-40DD-AFC4-6F175D3DCCD1}">
-              <a14:hiddenFill xmlns:a14="http://schemas.microsoft.com/office/drawing/2010/main">
-                <a:solidFill>
-                  <a:srgbClr val="FFFFFF"/>
-                </a:solidFill>
-              </a14:hiddenFill>
-            </a:ext>
-          </a:extLst>
-        </p:spPr>
-      </p:pic>
-      <p:pic>
-        <p:nvPicPr>
-          <p:cNvPr id="29" name="Picture 28">
-            <a:extLst>
-              <a:ext uri="{FF2B5EF4-FFF2-40B4-BE49-F238E27FC236}">
-                <a16:creationId xmlns:a16="http://schemas.microsoft.com/office/drawing/2014/main" id="{05DDD683-894B-41F7-B88E-7BE51AD8BD71}"/>
-              </a:ext>
-            </a:extLst>
-          </p:cNvPr>
-          <p:cNvPicPr/>
-          <p:nvPr/>
-        </p:nvPicPr>
-        <p:blipFill>
-          <a:blip r:embed="rId3"/>
-          <a:stretch>
-            <a:fillRect/>
-          </a:stretch>
-        </p:blipFill>
-        <p:spPr>
-          <a:xfrm>
-            <a:off x="520511" y="633477"/>
-            <a:ext cx="3555365" cy="751840"/>
-          </a:xfrm>
-          <a:prstGeom prst="rect">
-            <a:avLst/>
-          </a:prstGeom>
-        </p:spPr>
-      </p:pic>
-      <p:pic>
-        <p:nvPicPr>
-          <p:cNvPr id="34" name="Picture 33">
-            <a:extLst>
-              <a:ext uri="{FF2B5EF4-FFF2-40B4-BE49-F238E27FC236}">
-                <a16:creationId xmlns:a16="http://schemas.microsoft.com/office/drawing/2014/main" id="{DAC0C290-2609-4A17-97AB-BA0516A766DE}"/>
-              </a:ext>
-            </a:extLst>
-          </p:cNvPr>
-          <p:cNvPicPr/>
-          <p:nvPr/>
-        </p:nvPicPr>
-        <p:blipFill>
-          <a:blip r:embed="rId4"/>
-          <a:stretch>
-            <a:fillRect/>
-          </a:stretch>
-        </p:blipFill>
-        <p:spPr>
-          <a:xfrm>
-            <a:off x="10395774" y="593439"/>
-            <a:ext cx="1275715" cy="1116965"/>
-          </a:xfrm>
-          <a:prstGeom prst="rect">
-            <a:avLst/>
-          </a:prstGeom>
-        </p:spPr>
-      </p:pic>
-      <p:pic>
-        <p:nvPicPr>
-          <p:cNvPr id="11" name="Picture 10">
-            <a:extLst>
-              <a:ext uri="{FF2B5EF4-FFF2-40B4-BE49-F238E27FC236}">
-                <a16:creationId xmlns:a16="http://schemas.microsoft.com/office/drawing/2014/main" id="{CA80EC55-5386-4FD3-9F4C-3F86378C1037}"/>
-              </a:ext>
-            </a:extLst>
-          </p:cNvPr>
-          <p:cNvPicPr>
-            <a:picLocks noChangeAspect="1"/>
-          </p:cNvPicPr>
-          <p:nvPr/>
-        </p:nvPicPr>
-        <p:blipFill>
-          <a:blip r:embed="rId5" cstate="print">
-            <a:extLst>
-              <a:ext uri="{28A0092B-C50C-407E-A947-70E740481C1C}">
-                <a14:useLocalDpi xmlns:a14="http://schemas.microsoft.com/office/drawing/2010/main" val="0"/>
-              </a:ext>
-            </a:extLst>
-          </a:blip>
-          <a:stretch>
-            <a:fillRect/>
-          </a:stretch>
-        </p:blipFill>
-        <p:spPr>
-          <a:xfrm>
-            <a:off x="7945149" y="4485797"/>
-            <a:ext cx="3286599" cy="2244011"/>
-          </a:xfrm>
-          <a:prstGeom prst="rect">
-            <a:avLst/>
-          </a:prstGeom>
-        </p:spPr>
-      </p:pic>
-      <p:sp>
-        <p:nvSpPr>
-          <p:cNvPr id="12" name="Title 1">
-            <a:extLst>
-              <a:ext uri="{FF2B5EF4-FFF2-40B4-BE49-F238E27FC236}">
-                <a16:creationId xmlns:a16="http://schemas.microsoft.com/office/drawing/2014/main" id="{6C346B9C-5AAE-4F02-9F77-158150CA8CAC}"/>
-              </a:ext>
-            </a:extLst>
-          </p:cNvPr>
-          <p:cNvSpPr txBox="1">
-            <a:spLocks/>
-          </p:cNvSpPr>
-          <p:nvPr/>
-        </p:nvSpPr>
-        <p:spPr>
-          <a:xfrm>
-            <a:off x="630925" y="1710404"/>
-            <a:ext cx="4095820" cy="1253760"/>
-          </a:xfrm>
-          <a:prstGeom prst="rect">
-            <a:avLst/>
-          </a:prstGeom>
-          <a:effectLst/>
-        </p:spPr>
-        <p:txBody>
-          <a:bodyPr vert="horz" lIns="91440" tIns="45720" rIns="91440" bIns="45720" rtlCol="0" anchor="b">
-            <a:normAutofit fontScale="60000" lnSpcReduction="20000"/>
-          </a:bodyPr>
-          <a:lstStyle>
-            <a:lvl1pPr algn="l" defTabSz="457200" rtl="0" eaLnBrk="1" latinLnBrk="0" hangingPunct="1">
-              <a:lnSpc>
-                <a:spcPct val="100000"/>
-              </a:lnSpc>
-              <a:spcBef>
-                <a:spcPct val="0"/>
-              </a:spcBef>
-              <a:buNone/>
-              <a:defRPr sz="3600" b="0" kern="1200" cap="all">
-                <a:solidFill>
-                  <a:schemeClr val="tx1">
-                    <a:lumMod val="75000"/>
-                    <a:lumOff val="25000"/>
-                  </a:schemeClr>
-                </a:solidFill>
-                <a:latin typeface="+mj-lt"/>
-                <a:ea typeface="+mj-ea"/>
-                <a:cs typeface="+mj-cs"/>
-              </a:defRPr>
-            </a:lvl1pPr>
-            <a:lvl2pPr eaLnBrk="1" hangingPunct="1">
-              <a:defRPr>
-                <a:solidFill>
-                  <a:schemeClr val="tx2"/>
-                </a:solidFill>
-              </a:defRPr>
-            </a:lvl2pPr>
-            <a:lvl3pPr eaLnBrk="1" hangingPunct="1">
-              <a:defRPr>
-                <a:solidFill>
-                  <a:schemeClr val="tx2"/>
-                </a:solidFill>
-              </a:defRPr>
-            </a:lvl3pPr>
-            <a:lvl4pPr eaLnBrk="1" hangingPunct="1">
-              <a:defRPr>
-                <a:solidFill>
-                  <a:schemeClr val="tx2"/>
-                </a:solidFill>
-              </a:defRPr>
-            </a:lvl4pPr>
-            <a:lvl5pPr eaLnBrk="1" hangingPunct="1">
-              <a:defRPr>
-                <a:solidFill>
-                  <a:schemeClr val="tx2"/>
-                </a:solidFill>
-              </a:defRPr>
-            </a:lvl5pPr>
-            <a:lvl6pPr eaLnBrk="1" hangingPunct="1">
-              <a:defRPr>
-                <a:solidFill>
-                  <a:schemeClr val="tx2"/>
-                </a:solidFill>
-              </a:defRPr>
-            </a:lvl6pPr>
-            <a:lvl7pPr eaLnBrk="1" hangingPunct="1">
-              <a:defRPr>
-                <a:solidFill>
-                  <a:schemeClr val="tx2"/>
-                </a:solidFill>
-              </a:defRPr>
-            </a:lvl7pPr>
-            <a:lvl8pPr eaLnBrk="1" hangingPunct="1">
-              <a:defRPr>
-                <a:solidFill>
-                  <a:schemeClr val="tx2"/>
-                </a:solidFill>
-              </a:defRPr>
-            </a:lvl8pPr>
-            <a:lvl9pPr eaLnBrk="1" hangingPunct="1">
-              <a:defRPr>
-                <a:solidFill>
-                  <a:schemeClr val="tx2"/>
-                </a:solidFill>
-              </a:defRPr>
-            </a:lvl9pPr>
-          </a:lstStyle>
-          <a:p>
-            <a:r>
-              <a:rPr lang="en-US" dirty="0"/>
-              <a:t>   </a:t>
-            </a:r>
-            <a:r>
-              <a:rPr lang="en-US" sz="5300" dirty="0">
-                <a:solidFill>
-                  <a:schemeClr val="accent6">
-                    <a:lumMod val="75000"/>
-                  </a:schemeClr>
-                </a:solidFill>
-              </a:rPr>
-              <a:t>B.TECH FIRST YEAR</a:t>
-            </a:r>
-          </a:p>
-          <a:p>
-            <a:r>
-              <a:rPr lang="en-US" sz="5300" dirty="0"/>
-              <a:t>    </a:t>
-            </a:r>
-            <a:r>
-              <a:rPr lang="en-US" sz="3000" dirty="0" err="1"/>
-              <a:t>ACADemic</a:t>
-            </a:r>
-            <a:r>
-              <a:rPr lang="en-US" sz="3000" dirty="0"/>
-              <a:t> YEAR: 2023-2024</a:t>
-            </a:r>
-          </a:p>
-        </p:txBody>
-      </p:sp>
-    </p:spTree>
-    <p:extLst>
-      <p:ext uri="{BB962C8B-B14F-4D97-AF65-F5344CB8AC3E}">
-        <p14:creationId xmlns:p14="http://schemas.microsoft.com/office/powerpoint/2010/main" val="384003318"/>
-      </p:ext>
-    </p:extLst>
-  </p:cSld>
-  <p:clrMapOvr>
-    <a:masterClrMapping/>
-  </p:clrMapOvr>
-</p:sld>
-</file>
-
-<file path=ppt/slides/slide2.xml><?xml version="1.0" encoding="utf-8"?>
-<p:sld xmlns:a="http://schemas.openxmlformats.org/drawingml/2006/main" xmlns:r="http://schemas.openxmlformats.org/officeDocument/2006/relationships" xmlns:p="http://schemas.openxmlformats.org/presentationml/2006/main">
-  <p:cSld>
-    <p:spTree>
-      <p:nvGrpSpPr>
-        <p:cNvPr id="1" name=""/>
-        <p:cNvGrpSpPr/>
-        <p:nvPr/>
-      </p:nvGrpSpPr>
-      <p:grpSpPr>
-        <a:xfrm>
-          <a:off x="0" y="0"/>
-          <a:ext cx="0" cy="0"/>
-          <a:chOff x="0" y="0"/>
-          <a:chExt cx="0" cy="0"/>
-        </a:xfrm>
-      </p:grpSpPr>
       <p:sp>
         <p:nvSpPr>
           <p:cNvPr id="2" name="object 2"/>
@@ -3148,7 +2400,7 @@
 </p:sld>
 </file>
 
-<file path=ppt/slides/slide3.xml><?xml version="1.0" encoding="utf-8"?>
+<file path=ppt/slides/slide2.xml><?xml version="1.0" encoding="utf-8"?>
 <p:sld xmlns:a="http://schemas.openxmlformats.org/drawingml/2006/main" xmlns:r="http://schemas.openxmlformats.org/officeDocument/2006/relationships" xmlns:p="http://schemas.openxmlformats.org/presentationml/2006/main">
   <p:cSld>
     <p:spTree>
@@ -3547,7 +2799,7 @@
 </p:sld>
 </file>
 
-<file path=ppt/slides/slide4.xml><?xml version="1.0" encoding="utf-8"?>
+<file path=ppt/slides/slide3.xml><?xml version="1.0" encoding="utf-8"?>
 <p:sld xmlns:a="http://schemas.openxmlformats.org/drawingml/2006/main" xmlns:r="http://schemas.openxmlformats.org/officeDocument/2006/relationships" xmlns:p="http://schemas.openxmlformats.org/presentationml/2006/main">
   <p:cSld>
     <p:spTree>
@@ -4200,7 +3452,7 @@
 </p:sld>
 </file>
 
-<file path=ppt/slides/slide5.xml><?xml version="1.0" encoding="utf-8"?>
+<file path=ppt/slides/slide4.xml><?xml version="1.0" encoding="utf-8"?>
 <p:sld xmlns:a="http://schemas.openxmlformats.org/drawingml/2006/main" xmlns:r="http://schemas.openxmlformats.org/officeDocument/2006/relationships" xmlns:p="http://schemas.openxmlformats.org/presentationml/2006/main">
   <p:cSld>
     <p:spTree>
@@ -4687,7 +3939,7 @@
 </p:sld>
 </file>
 
-<file path=ppt/slides/slide6.xml><?xml version="1.0" encoding="utf-8"?>
+<file path=ppt/slides/slide5.xml><?xml version="1.0" encoding="utf-8"?>
 <p:sld xmlns:a="http://schemas.openxmlformats.org/drawingml/2006/main" xmlns:r="http://schemas.openxmlformats.org/officeDocument/2006/relationships" xmlns:p="http://schemas.openxmlformats.org/presentationml/2006/main">
   <p:cSld>
     <p:spTree>
@@ -5146,7 +4398,7 @@
 </p:sld>
 </file>
 
-<file path=ppt/slides/slide7.xml><?xml version="1.0" encoding="utf-8"?>
+<file path=ppt/slides/slide6.xml><?xml version="1.0" encoding="utf-8"?>
 <p:sld xmlns:a="http://schemas.openxmlformats.org/drawingml/2006/main" xmlns:r="http://schemas.openxmlformats.org/officeDocument/2006/relationships" xmlns:p="http://schemas.openxmlformats.org/presentationml/2006/main">
   <p:cSld>
     <p:spTree>
@@ -5396,7 +4648,7 @@
 </p:sld>
 </file>
 
-<file path=ppt/slides/slide8.xml><?xml version="1.0" encoding="utf-8"?>
+<file path=ppt/slides/slide7.xml><?xml version="1.0" encoding="utf-8"?>
 <p:sld xmlns:a="http://schemas.openxmlformats.org/drawingml/2006/main" xmlns:r="http://schemas.openxmlformats.org/officeDocument/2006/relationships" xmlns:p="http://schemas.openxmlformats.org/presentationml/2006/main">
   <p:cSld>
     <p:spTree>
@@ -5930,7 +5182,7 @@
 </p:sld>
 </file>
 
-<file path=ppt/slides/slide9.xml><?xml version="1.0" encoding="utf-8"?>
+<file path=ppt/slides/slide8.xml><?xml version="1.0" encoding="utf-8"?>
 <p:sld xmlns:a="http://schemas.openxmlformats.org/drawingml/2006/main" xmlns:r="http://schemas.openxmlformats.org/officeDocument/2006/relationships" xmlns:p="http://schemas.openxmlformats.org/presentationml/2006/main">
   <p:cSld>
     <p:spTree>
@@ -7032,6 +6284,21 @@
 </file>
 
 <file path=customXml/item1.xml><?xml version="1.0" encoding="utf-8"?>
+<p:properties xmlns:p="http://schemas.microsoft.com/office/2006/metadata/properties" xmlns:xsi="http://www.w3.org/2001/XMLSchema-instance" xmlns:pc="http://schemas.microsoft.com/office/infopath/2007/PartnerControls">
+  <documentManagement/>
+</p:properties>
+</file>
+
+<file path=customXml/item2.xml><?xml version="1.0" encoding="utf-8"?>
+<?mso-contentType ?>
+<FormTemplates xmlns="http://schemas.microsoft.com/sharepoint/v3/contenttype/forms">
+  <Display>DocumentLibraryForm</Display>
+  <Edit>DocumentLibraryForm</Edit>
+  <New>DocumentLibraryForm</New>
+</FormTemplates>
+</file>
+
+<file path=customXml/item3.xml><?xml version="1.0" encoding="utf-8"?>
 <ct:contentTypeSchema xmlns:ct="http://schemas.microsoft.com/office/2006/metadata/contentType" xmlns:ma="http://schemas.microsoft.com/office/2006/metadata/properties/metaAttributes" ct:_="" ma:_="" ma:contentTypeName="Document" ma:contentTypeID="0x0101002E009A01A652D24CAA398DB69D92112C" ma:contentTypeVersion="0" ma:contentTypeDescription="Create a new document." ma:contentTypeScope="" ma:versionID="3d6ccc8f316c57399c2ef393a070e32b">
   <xsd:schema xmlns:xsd="http://www.w3.org/2001/XMLSchema" xmlns:xs="http://www.w3.org/2001/XMLSchema" xmlns:p="http://schemas.microsoft.com/office/2006/metadata/properties" targetNamespace="http://schemas.microsoft.com/office/2006/metadata/properties" ma:root="true" ma:fieldsID="b764bea3eb9b1a5be8fd57fac5fb459b">
     <xsd:element name="properties">
@@ -7145,29 +6412,35 @@
 </ct:contentTypeSchema>
 </file>
 
-<file path=customXml/item2.xml><?xml version="1.0" encoding="utf-8"?>
-<?mso-contentType ?>
-<FormTemplates xmlns="http://schemas.microsoft.com/sharepoint/v3/contenttype/forms">
-  <Display>DocumentLibraryForm</Display>
-  <Edit>DocumentLibraryForm</Edit>
-  <New>DocumentLibraryForm</New>
-</FormTemplates>
-</file>
-
-<file path=customXml/item3.xml><?xml version="1.0" encoding="utf-8"?>
-<p:properties xmlns:p="http://schemas.microsoft.com/office/2006/metadata/properties" xmlns:xsi="http://www.w3.org/2001/XMLSchema-instance" xmlns:pc="http://schemas.microsoft.com/office/infopath/2007/PartnerControls">
-  <documentManagement/>
-</p:properties>
-</file>
-
 <file path=customXml/itemProps1.xml><?xml version="1.0" encoding="utf-8"?>
-<ds:datastoreItem xmlns:ds="http://schemas.openxmlformats.org/officeDocument/2006/customXml" ds:itemID="{3FC49608-D5A3-424F-88BB-08C3DFBB3EF1}"/>
+<ds:datastoreItem xmlns:ds="http://schemas.openxmlformats.org/officeDocument/2006/customXml" ds:itemID="{D653CE0C-15D9-4F5D-95FF-42B2BD0C944B}">
+  <ds:schemaRefs>
+    <ds:schemaRef ds:uri="http://schemas.microsoft.com/office/2006/metadata/properties"/>
+    <ds:schemaRef ds:uri="http://schemas.microsoft.com/office/infopath/2007/PartnerControls"/>
+  </ds:schemaRefs>
+</ds:datastoreItem>
 </file>
 
 <file path=customXml/itemProps2.xml><?xml version="1.0" encoding="utf-8"?>
-<ds:datastoreItem xmlns:ds="http://schemas.openxmlformats.org/officeDocument/2006/customXml" ds:itemID="{9C403550-8760-4BC2-A0E9-EB65DD80B57A}"/>
+<ds:datastoreItem xmlns:ds="http://schemas.openxmlformats.org/officeDocument/2006/customXml" ds:itemID="{9C403550-8760-4BC2-A0E9-EB65DD80B57A}">
+  <ds:schemaRefs>
+    <ds:schemaRef ds:uri="http://schemas.microsoft.com/sharepoint/v3/contenttype/forms"/>
+  </ds:schemaRefs>
+</ds:datastoreItem>
 </file>
 
 <file path=customXml/itemProps3.xml><?xml version="1.0" encoding="utf-8"?>
-<ds:datastoreItem xmlns:ds="http://schemas.openxmlformats.org/officeDocument/2006/customXml" ds:itemID="{D653CE0C-15D9-4F5D-95FF-42B2BD0C944B}"/>
+<ds:datastoreItem xmlns:ds="http://schemas.openxmlformats.org/officeDocument/2006/customXml" ds:itemID="{3FC49608-D5A3-424F-88BB-08C3DFBB3EF1}">
+  <ds:schemaRefs>
+    <ds:schemaRef ds:uri="http://schemas.microsoft.com/office/2006/metadata/contentType"/>
+    <ds:schemaRef ds:uri="http://schemas.microsoft.com/office/2006/metadata/properties/metaAttributes"/>
+    <ds:schemaRef ds:uri="http://www.w3.org/2001/XMLSchema"/>
+    <ds:schemaRef ds:uri="http://schemas.microsoft.com/office/2006/metadata/properties"/>
+    <ds:schemaRef ds:uri="http://schemas.openxmlformats.org/package/2006/metadata/core-properties"/>
+    <ds:schemaRef ds:uri="http://purl.org/dc/elements/1.1/"/>
+    <ds:schemaRef ds:uri="http://purl.org/dc/terms/"/>
+    <ds:schemaRef ds:uri="http://schemas.microsoft.com/internal/obd"/>
+    <ds:schemaRef ds:uri="http://schemas.microsoft.com/office/infopath/2007/PartnerControls"/>
+  </ds:schemaRefs>
+</ds:datastoreItem>
 </file>